--- a/~$Präsentation.pptx
+++ b/~$Präsentation.pptx
@@ -252,7 +252,7 @@
           <a:p>
             <a:fld id="{07BEDEEB-833C-42BB-8678-D937F93AD633}" type="datetimeFigureOut">
               <a:rPr lang="de-DE" smtClean="0"/>
-              <a:t>22.02.20</a:t>
+              <a:t>24.02.20</a:t>
             </a:fld>
             <a:endParaRPr lang="de-DE"/>
           </a:p>
@@ -417,7 +417,7 @@
           <a:p>
             <a:fld id="{3DBB0473-ED6C-4E1A-9762-E81DF49C2CA2}" type="datetimeFigureOut">
               <a:rPr lang="de-DE" smtClean="0"/>
-              <a:t>22.02.20</a:t>
+              <a:t>24.02.20</a:t>
             </a:fld>
             <a:endParaRPr lang="de-DE"/>
           </a:p>
@@ -863,7 +863,7 @@
           <a:p>
             <a:fld id="{FADA0A57-23B4-4D71-8F3F-4EB5B8565AE2}" type="datetimeFigureOut">
               <a:rPr lang="de-DE" smtClean="0"/>
-              <a:t>22.02.20</a:t>
+              <a:t>24.02.20</a:t>
             </a:fld>
             <a:endParaRPr lang="de-DE"/>
           </a:p>
@@ -1031,7 +1031,7 @@
           <a:p>
             <a:fld id="{FADA0A57-23B4-4D71-8F3F-4EB5B8565AE2}" type="datetimeFigureOut">
               <a:rPr lang="de-DE" smtClean="0"/>
-              <a:t>22.02.20</a:t>
+              <a:t>24.02.20</a:t>
             </a:fld>
             <a:endParaRPr lang="de-DE"/>
           </a:p>
@@ -1209,7 +1209,7 @@
           <a:p>
             <a:fld id="{FADA0A57-23B4-4D71-8F3F-4EB5B8565AE2}" type="datetimeFigureOut">
               <a:rPr lang="de-DE" smtClean="0"/>
-              <a:t>22.02.20</a:t>
+              <a:t>24.02.20</a:t>
             </a:fld>
             <a:endParaRPr lang="de-DE"/>
           </a:p>
@@ -1377,7 +1377,7 @@
           <a:p>
             <a:fld id="{FADA0A57-23B4-4D71-8F3F-4EB5B8565AE2}" type="datetimeFigureOut">
               <a:rPr lang="de-DE" smtClean="0"/>
-              <a:t>22.02.20</a:t>
+              <a:t>24.02.20</a:t>
             </a:fld>
             <a:endParaRPr lang="de-DE"/>
           </a:p>
@@ -1620,7 +1620,7 @@
           <a:p>
             <a:fld id="{FADA0A57-23B4-4D71-8F3F-4EB5B8565AE2}" type="datetimeFigureOut">
               <a:rPr lang="de-DE" smtClean="0"/>
-              <a:t>22.02.20</a:t>
+              <a:t>24.02.20</a:t>
             </a:fld>
             <a:endParaRPr lang="de-DE"/>
           </a:p>
@@ -1905,7 +1905,7 @@
           <a:p>
             <a:fld id="{FADA0A57-23B4-4D71-8F3F-4EB5B8565AE2}" type="datetimeFigureOut">
               <a:rPr lang="de-DE" smtClean="0"/>
-              <a:t>22.02.20</a:t>
+              <a:t>24.02.20</a:t>
             </a:fld>
             <a:endParaRPr lang="de-DE"/>
           </a:p>
@@ -2324,7 +2324,7 @@
           <a:p>
             <a:fld id="{FADA0A57-23B4-4D71-8F3F-4EB5B8565AE2}" type="datetimeFigureOut">
               <a:rPr lang="de-DE" smtClean="0"/>
-              <a:t>22.02.20</a:t>
+              <a:t>24.02.20</a:t>
             </a:fld>
             <a:endParaRPr lang="de-DE"/>
           </a:p>
@@ -2441,7 +2441,7 @@
           <a:p>
             <a:fld id="{FADA0A57-23B4-4D71-8F3F-4EB5B8565AE2}" type="datetimeFigureOut">
               <a:rPr lang="de-DE" smtClean="0"/>
-              <a:t>22.02.20</a:t>
+              <a:t>24.02.20</a:t>
             </a:fld>
             <a:endParaRPr lang="de-DE"/>
           </a:p>
@@ -2536,7 +2536,7 @@
           <a:p>
             <a:fld id="{FADA0A57-23B4-4D71-8F3F-4EB5B8565AE2}" type="datetimeFigureOut">
               <a:rPr lang="de-DE" smtClean="0"/>
-              <a:t>22.02.20</a:t>
+              <a:t>24.02.20</a:t>
             </a:fld>
             <a:endParaRPr lang="de-DE"/>
           </a:p>
@@ -2811,7 +2811,7 @@
           <a:p>
             <a:fld id="{FADA0A57-23B4-4D71-8F3F-4EB5B8565AE2}" type="datetimeFigureOut">
               <a:rPr lang="de-DE" smtClean="0"/>
-              <a:t>22.02.20</a:t>
+              <a:t>24.02.20</a:t>
             </a:fld>
             <a:endParaRPr lang="de-DE"/>
           </a:p>
@@ -3066,7 +3066,7 @@
           <a:p>
             <a:fld id="{FADA0A57-23B4-4D71-8F3F-4EB5B8565AE2}" type="datetimeFigureOut">
               <a:rPr lang="de-DE" smtClean="0"/>
-              <a:t>22.02.20</a:t>
+              <a:t>24.02.20</a:t>
             </a:fld>
             <a:endParaRPr lang="de-DE"/>
           </a:p>
@@ -3276,7 +3276,7 @@
             <a:fld id="{FADA0A57-23B4-4D71-8F3F-4EB5B8565AE2}" type="datetimeFigureOut">
               <a:rPr lang="de-DE" smtClean="0"/>
               <a:pPr/>
-              <a:t>22.02.20</a:t>
+              <a:t>24.02.20</a:t>
             </a:fld>
             <a:endParaRPr lang="de-DE" dirty="0"/>
           </a:p>
@@ -3744,228 +3744,6 @@
           <a:chExt cx="0" cy="0"/>
         </a:xfrm>
       </p:grpSpPr>
-      <p:sp>
-        <p:nvSpPr>
-          <p:cNvPr id="4" name="Oval 3">
-            <a:extLst>
-              <a:ext uri="{FF2B5EF4-FFF2-40B4-BE49-F238E27FC236}">
-                <a16:creationId xmlns:a16="http://schemas.microsoft.com/office/drawing/2014/main" id="{D97087BE-3F6A-B743-81A1-3F33ABA1CAFE}"/>
-              </a:ext>
-            </a:extLst>
-          </p:cNvPr>
-          <p:cNvSpPr/>
-          <p:nvPr/>
-        </p:nvSpPr>
-        <p:spPr>
-          <a:xfrm>
-            <a:off x="1187624" y="2713890"/>
-            <a:ext cx="1008112" cy="1008112"/>
-          </a:xfrm>
-          <a:prstGeom prst="ellipse">
-            <a:avLst/>
-          </a:prstGeom>
-          <a:solidFill>
-            <a:srgbClr val="00B145"/>
-          </a:solidFill>
-          <a:ln>
-            <a:noFill/>
-          </a:ln>
-        </p:spPr>
-        <p:style>
-          <a:lnRef idx="2">
-            <a:schemeClr val="accent1">
-              <a:shade val="50000"/>
-            </a:schemeClr>
-          </a:lnRef>
-          <a:fillRef idx="1">
-            <a:schemeClr val="accent1"/>
-          </a:fillRef>
-          <a:effectRef idx="0">
-            <a:schemeClr val="accent1"/>
-          </a:effectRef>
-          <a:fontRef idx="minor">
-            <a:schemeClr val="lt1"/>
-          </a:fontRef>
-        </p:style>
-        <p:txBody>
-          <a:bodyPr rtlCol="0" anchor="ctr"/>
-          <a:lstStyle/>
-          <a:p>
-            <a:pPr algn="ctr"/>
-            <a:r>
-              <a:rPr lang="de-DE" sz="1600" dirty="0"/>
-              <a:t>happy</a:t>
-            </a:r>
-          </a:p>
-        </p:txBody>
-      </p:sp>
-      <p:sp>
-        <p:nvSpPr>
-          <p:cNvPr id="5" name="Oval 4">
-            <a:extLst>
-              <a:ext uri="{FF2B5EF4-FFF2-40B4-BE49-F238E27FC236}">
-                <a16:creationId xmlns:a16="http://schemas.microsoft.com/office/drawing/2014/main" id="{F04C77FD-34EB-3C40-8F92-D4CEB450A2D1}"/>
-              </a:ext>
-            </a:extLst>
-          </p:cNvPr>
-          <p:cNvSpPr/>
-          <p:nvPr/>
-        </p:nvSpPr>
-        <p:spPr>
-          <a:xfrm>
-            <a:off x="3203848" y="1566731"/>
-            <a:ext cx="1008112" cy="1008112"/>
-          </a:xfrm>
-          <a:prstGeom prst="ellipse">
-            <a:avLst/>
-          </a:prstGeom>
-          <a:solidFill>
-            <a:schemeClr val="accent6">
-              <a:lumMod val="75000"/>
-            </a:schemeClr>
-          </a:solidFill>
-          <a:ln>
-            <a:noFill/>
-          </a:ln>
-        </p:spPr>
-        <p:style>
-          <a:lnRef idx="2">
-            <a:schemeClr val="accent1">
-              <a:shade val="50000"/>
-            </a:schemeClr>
-          </a:lnRef>
-          <a:fillRef idx="1">
-            <a:schemeClr val="accent1"/>
-          </a:fillRef>
-          <a:effectRef idx="0">
-            <a:schemeClr val="accent1"/>
-          </a:effectRef>
-          <a:fontRef idx="minor">
-            <a:schemeClr val="lt1"/>
-          </a:fontRef>
-        </p:style>
-        <p:txBody>
-          <a:bodyPr rtlCol="0" anchor="ctr"/>
-          <a:lstStyle/>
-          <a:p>
-            <a:pPr algn="ctr"/>
-            <a:r>
-              <a:rPr lang="de-DE" sz="1600" dirty="0"/>
-              <a:t>fear</a:t>
-            </a:r>
-          </a:p>
-        </p:txBody>
-      </p:sp>
-      <p:sp>
-        <p:nvSpPr>
-          <p:cNvPr id="6" name="Oval 5">
-            <a:extLst>
-              <a:ext uri="{FF2B5EF4-FFF2-40B4-BE49-F238E27FC236}">
-                <a16:creationId xmlns:a16="http://schemas.microsoft.com/office/drawing/2014/main" id="{17CFE4E4-745A-154A-8590-A7AE8E4288B7}"/>
-              </a:ext>
-            </a:extLst>
-          </p:cNvPr>
-          <p:cNvSpPr/>
-          <p:nvPr/>
-        </p:nvSpPr>
-        <p:spPr>
-          <a:xfrm>
-            <a:off x="3204050" y="3861048"/>
-            <a:ext cx="1079917" cy="1080120"/>
-          </a:xfrm>
-          <a:prstGeom prst="ellipse">
-            <a:avLst/>
-          </a:prstGeom>
-          <a:solidFill>
-            <a:schemeClr val="bg2"/>
-          </a:solidFill>
-          <a:ln>
-            <a:noFill/>
-          </a:ln>
-        </p:spPr>
-        <p:style>
-          <a:lnRef idx="2">
-            <a:schemeClr val="accent1">
-              <a:shade val="50000"/>
-            </a:schemeClr>
-          </a:lnRef>
-          <a:fillRef idx="1">
-            <a:schemeClr val="accent1"/>
-          </a:fillRef>
-          <a:effectRef idx="0">
-            <a:schemeClr val="accent1"/>
-          </a:effectRef>
-          <a:fontRef idx="minor">
-            <a:schemeClr val="lt1"/>
-          </a:fontRef>
-        </p:style>
-        <p:txBody>
-          <a:bodyPr rtlCol="0" anchor="ctr"/>
-          <a:lstStyle/>
-          <a:p>
-            <a:pPr algn="ctr"/>
-            <a:r>
-              <a:rPr lang="de-DE" sz="1600" dirty="0"/>
-              <a:t>neutral</a:t>
-            </a:r>
-          </a:p>
-        </p:txBody>
-      </p:sp>
-      <p:sp>
-        <p:nvSpPr>
-          <p:cNvPr id="7" name="Oval 6">
-            <a:extLst>
-              <a:ext uri="{FF2B5EF4-FFF2-40B4-BE49-F238E27FC236}">
-                <a16:creationId xmlns:a16="http://schemas.microsoft.com/office/drawing/2014/main" id="{AD1583FA-AE18-0242-B41C-2D71F9F33DE4}"/>
-              </a:ext>
-            </a:extLst>
-          </p:cNvPr>
-          <p:cNvSpPr/>
-          <p:nvPr/>
-        </p:nvSpPr>
-        <p:spPr>
-          <a:xfrm>
-            <a:off x="5220072" y="2713890"/>
-            <a:ext cx="1008112" cy="1008112"/>
-          </a:xfrm>
-          <a:prstGeom prst="ellipse">
-            <a:avLst/>
-          </a:prstGeom>
-          <a:solidFill>
-            <a:srgbClr val="C00000"/>
-          </a:solidFill>
-          <a:ln>
-            <a:noFill/>
-          </a:ln>
-        </p:spPr>
-        <p:style>
-          <a:lnRef idx="2">
-            <a:schemeClr val="accent1">
-              <a:shade val="50000"/>
-            </a:schemeClr>
-          </a:lnRef>
-          <a:fillRef idx="1">
-            <a:schemeClr val="accent1"/>
-          </a:fillRef>
-          <a:effectRef idx="0">
-            <a:schemeClr val="accent1"/>
-          </a:effectRef>
-          <a:fontRef idx="minor">
-            <a:schemeClr val="lt1"/>
-          </a:fontRef>
-        </p:style>
-        <p:txBody>
-          <a:bodyPr rtlCol="0" anchor="ctr"/>
-          <a:lstStyle/>
-          <a:p>
-            <a:pPr algn="ctr"/>
-            <a:r>
-              <a:rPr lang="de-DE" sz="1600" dirty="0"/>
-              <a:t>sad</a:t>
-            </a:r>
-          </a:p>
-        </p:txBody>
-      </p:sp>
       <p:cxnSp>
         <p:nvCxnSpPr>
           <p:cNvPr id="11" name="Gekrümmte Verbindung 10">
@@ -4013,6 +3791,213 @@
           </a:fontRef>
         </p:style>
       </p:cxnSp>
+      <p:sp>
+        <p:nvSpPr>
+          <p:cNvPr id="4" name="Oval 3">
+            <a:extLst>
+              <a:ext uri="{FF2B5EF4-FFF2-40B4-BE49-F238E27FC236}">
+                <a16:creationId xmlns:a16="http://schemas.microsoft.com/office/drawing/2014/main" id="{D97087BE-3F6A-B743-81A1-3F33ABA1CAFE}"/>
+              </a:ext>
+            </a:extLst>
+          </p:cNvPr>
+          <p:cNvSpPr/>
+          <p:nvPr/>
+        </p:nvSpPr>
+        <p:spPr>
+          <a:xfrm>
+            <a:off x="1187624" y="2713890"/>
+            <a:ext cx="1008112" cy="1008112"/>
+          </a:xfrm>
+          <a:prstGeom prst="ellipse">
+            <a:avLst/>
+          </a:prstGeom>
+          <a:ln w="38100">
+            <a:solidFill>
+              <a:srgbClr val="00B050"/>
+            </a:solidFill>
+          </a:ln>
+        </p:spPr>
+        <p:style>
+          <a:lnRef idx="2">
+            <a:schemeClr val="accent1"/>
+          </a:lnRef>
+          <a:fillRef idx="1">
+            <a:schemeClr val="lt1"/>
+          </a:fillRef>
+          <a:effectRef idx="0">
+            <a:schemeClr val="accent1"/>
+          </a:effectRef>
+          <a:fontRef idx="minor">
+            <a:schemeClr val="dk1"/>
+          </a:fontRef>
+        </p:style>
+        <p:txBody>
+          <a:bodyPr rtlCol="0" anchor="ctr"/>
+          <a:lstStyle/>
+          <a:p>
+            <a:pPr algn="ctr"/>
+            <a:r>
+              <a:rPr lang="de-DE" sz="1600" dirty="0"/>
+              <a:t>happy</a:t>
+            </a:r>
+          </a:p>
+        </p:txBody>
+      </p:sp>
+      <p:sp>
+        <p:nvSpPr>
+          <p:cNvPr id="5" name="Oval 4">
+            <a:extLst>
+              <a:ext uri="{FF2B5EF4-FFF2-40B4-BE49-F238E27FC236}">
+                <a16:creationId xmlns:a16="http://schemas.microsoft.com/office/drawing/2014/main" id="{F04C77FD-34EB-3C40-8F92-D4CEB450A2D1}"/>
+              </a:ext>
+            </a:extLst>
+          </p:cNvPr>
+          <p:cNvSpPr/>
+          <p:nvPr/>
+        </p:nvSpPr>
+        <p:spPr>
+          <a:xfrm>
+            <a:off x="3203848" y="1566731"/>
+            <a:ext cx="1008112" cy="1008112"/>
+          </a:xfrm>
+          <a:prstGeom prst="ellipse">
+            <a:avLst/>
+          </a:prstGeom>
+          <a:ln w="38100">
+            <a:solidFill>
+              <a:schemeClr val="accent6"/>
+            </a:solidFill>
+          </a:ln>
+        </p:spPr>
+        <p:style>
+          <a:lnRef idx="2">
+            <a:schemeClr val="accent1"/>
+          </a:lnRef>
+          <a:fillRef idx="1">
+            <a:schemeClr val="lt1"/>
+          </a:fillRef>
+          <a:effectRef idx="0">
+            <a:schemeClr val="accent1"/>
+          </a:effectRef>
+          <a:fontRef idx="minor">
+            <a:schemeClr val="dk1"/>
+          </a:fontRef>
+        </p:style>
+        <p:txBody>
+          <a:bodyPr rtlCol="0" anchor="ctr"/>
+          <a:lstStyle/>
+          <a:p>
+            <a:pPr algn="ctr"/>
+            <a:r>
+              <a:rPr lang="de-DE" sz="1600" dirty="0"/>
+              <a:t>fear</a:t>
+            </a:r>
+          </a:p>
+        </p:txBody>
+      </p:sp>
+      <p:sp>
+        <p:nvSpPr>
+          <p:cNvPr id="6" name="Oval 5">
+            <a:extLst>
+              <a:ext uri="{FF2B5EF4-FFF2-40B4-BE49-F238E27FC236}">
+                <a16:creationId xmlns:a16="http://schemas.microsoft.com/office/drawing/2014/main" id="{17CFE4E4-745A-154A-8590-A7AE8E4288B7}"/>
+              </a:ext>
+            </a:extLst>
+          </p:cNvPr>
+          <p:cNvSpPr/>
+          <p:nvPr/>
+        </p:nvSpPr>
+        <p:spPr>
+          <a:xfrm>
+            <a:off x="3203848" y="3861048"/>
+            <a:ext cx="1079917" cy="1080120"/>
+          </a:xfrm>
+          <a:prstGeom prst="ellipse">
+            <a:avLst/>
+          </a:prstGeom>
+          <a:ln w="38100">
+            <a:solidFill>
+              <a:schemeClr val="tx1">
+                <a:lumMod val="75000"/>
+                <a:lumOff val="25000"/>
+              </a:schemeClr>
+            </a:solidFill>
+          </a:ln>
+        </p:spPr>
+        <p:style>
+          <a:lnRef idx="2">
+            <a:schemeClr val="accent1"/>
+          </a:lnRef>
+          <a:fillRef idx="1">
+            <a:schemeClr val="lt1"/>
+          </a:fillRef>
+          <a:effectRef idx="0">
+            <a:schemeClr val="accent1"/>
+          </a:effectRef>
+          <a:fontRef idx="minor">
+            <a:schemeClr val="dk1"/>
+          </a:fontRef>
+        </p:style>
+        <p:txBody>
+          <a:bodyPr rtlCol="0" anchor="ctr"/>
+          <a:lstStyle/>
+          <a:p>
+            <a:pPr algn="ctr"/>
+            <a:r>
+              <a:rPr lang="de-DE" sz="1600" dirty="0"/>
+              <a:t>neutral</a:t>
+            </a:r>
+          </a:p>
+        </p:txBody>
+      </p:sp>
+      <p:sp>
+        <p:nvSpPr>
+          <p:cNvPr id="7" name="Oval 6">
+            <a:extLst>
+              <a:ext uri="{FF2B5EF4-FFF2-40B4-BE49-F238E27FC236}">
+                <a16:creationId xmlns:a16="http://schemas.microsoft.com/office/drawing/2014/main" id="{AD1583FA-AE18-0242-B41C-2D71F9F33DE4}"/>
+              </a:ext>
+            </a:extLst>
+          </p:cNvPr>
+          <p:cNvSpPr/>
+          <p:nvPr/>
+        </p:nvSpPr>
+        <p:spPr>
+          <a:xfrm>
+            <a:off x="5220072" y="2713890"/>
+            <a:ext cx="1008112" cy="1008112"/>
+          </a:xfrm>
+          <a:prstGeom prst="ellipse">
+            <a:avLst/>
+          </a:prstGeom>
+          <a:ln w="38100"/>
+        </p:spPr>
+        <p:style>
+          <a:lnRef idx="2">
+            <a:schemeClr val="accent2"/>
+          </a:lnRef>
+          <a:fillRef idx="1">
+            <a:schemeClr val="lt1"/>
+          </a:fillRef>
+          <a:effectRef idx="0">
+            <a:schemeClr val="accent2"/>
+          </a:effectRef>
+          <a:fontRef idx="minor">
+            <a:schemeClr val="dk1"/>
+          </a:fontRef>
+        </p:style>
+        <p:txBody>
+          <a:bodyPr rtlCol="0" anchor="ctr"/>
+          <a:lstStyle/>
+          <a:p>
+            <a:pPr algn="ctr"/>
+            <a:r>
+              <a:rPr lang="de-DE" sz="1600" dirty="0"/>
+              <a:t>sad</a:t>
+            </a:r>
+          </a:p>
+        </p:txBody>
+      </p:sp>
       <p:cxnSp>
         <p:nvCxnSpPr>
           <p:cNvPr id="17" name="Gekrümmte Verbindung 16">
@@ -4079,7 +4064,7 @@
         <p:spPr>
           <a:xfrm rot="10800000">
             <a:off x="2048102" y="3574368"/>
-            <a:ext cx="1155949" cy="826741"/>
+            <a:ext cx="1155747" cy="826741"/>
           </a:xfrm>
           <a:prstGeom prst="curvedConnector2">
             <a:avLst/>
@@ -4126,7 +4111,7 @@
         <p:spPr>
           <a:xfrm>
             <a:off x="2195736" y="3217946"/>
-            <a:ext cx="1166464" cy="801282"/>
+            <a:ext cx="1166262" cy="801282"/>
           </a:xfrm>
           <a:prstGeom prst="curvedConnector2">
             <a:avLst/>
@@ -4266,8 +4251,8 @@
         </p:nvCxnSpPr>
         <p:spPr>
           <a:xfrm flipV="1">
-            <a:off x="4283967" y="3574367"/>
-            <a:ext cx="1083740" cy="826741"/>
+            <a:off x="4283765" y="3574367"/>
+            <a:ext cx="1083942" cy="826741"/>
           </a:xfrm>
           <a:prstGeom prst="curvedConnector2">
             <a:avLst/>
@@ -4313,8 +4298,8 @@
         </p:nvCxnSpPr>
         <p:spPr>
           <a:xfrm rot="10800000" flipV="1">
-            <a:off x="4125818" y="3217946"/>
-            <a:ext cx="1094255" cy="801282"/>
+            <a:off x="4125616" y="3217946"/>
+            <a:ext cx="1094457" cy="801282"/>
           </a:xfrm>
           <a:prstGeom prst="curvedConnector2">
             <a:avLst/>
@@ -4365,7 +4350,7 @@
           </a:xfrm>
           <a:prstGeom prst="curvedConnector3">
             <a:avLst>
-              <a:gd name="adj1" fmla="val 16121740"/>
+              <a:gd name="adj1" fmla="val 12365213"/>
             </a:avLst>
           </a:prstGeom>
           <a:ln w="28575">
@@ -4415,7 +4400,7 @@
           </a:xfrm>
           <a:prstGeom prst="curvedConnector3">
             <a:avLst>
-              <a:gd name="adj1" fmla="val 17373913"/>
+              <a:gd name="adj1" fmla="val 13617394"/>
             </a:avLst>
           </a:prstGeom>
           <a:ln w="28575">
@@ -4455,8 +4440,8 @@
         </p:nvSpPr>
         <p:spPr>
           <a:xfrm>
-            <a:off x="3491881" y="737896"/>
-            <a:ext cx="572444" cy="307777"/>
+            <a:off x="3409523" y="859523"/>
+            <a:ext cx="633936" cy="307777"/>
           </a:xfrm>
           <a:prstGeom prst="rect">
             <a:avLst/>
@@ -4471,7 +4456,7 @@
           <a:p>
             <a:r>
               <a:rPr lang="de-DE" sz="1400" dirty="0"/>
-              <a:t>0.2</a:t>
+              <a:t>0.077</a:t>
             </a:r>
           </a:p>
         </p:txBody>
@@ -4490,8 +4475,8 @@
         </p:nvSpPr>
         <p:spPr>
           <a:xfrm>
-            <a:off x="753766" y="3064057"/>
-            <a:ext cx="572444" cy="307777"/>
+            <a:off x="605001" y="3051453"/>
+            <a:ext cx="739847" cy="307777"/>
           </a:xfrm>
           <a:prstGeom prst="rect">
             <a:avLst/>
@@ -4506,7 +4491,7 @@
           <a:p>
             <a:r>
               <a:rPr lang="de-DE" sz="1400" b="1" dirty="0"/>
-              <a:t>0.6</a:t>
+              <a:t>0.786</a:t>
             </a:r>
           </a:p>
         </p:txBody>
@@ -4525,8 +4510,8 @@
         </p:nvSpPr>
         <p:spPr>
           <a:xfrm>
-            <a:off x="3476308" y="4983492"/>
-            <a:ext cx="572444" cy="307777"/>
+            <a:off x="3412286" y="4919974"/>
+            <a:ext cx="735652" cy="307777"/>
           </a:xfrm>
           <a:prstGeom prst="rect">
             <a:avLst/>
@@ -4541,7 +4526,7 @@
           <a:p>
             <a:r>
               <a:rPr lang="de-DE" sz="1400" b="1" dirty="0"/>
-              <a:t>0.58</a:t>
+              <a:t>0.347</a:t>
             </a:r>
           </a:p>
         </p:txBody>
@@ -4560,8 +4545,8 @@
         </p:nvSpPr>
         <p:spPr>
           <a:xfrm>
-            <a:off x="6375820" y="3097016"/>
-            <a:ext cx="572444" cy="307777"/>
+            <a:off x="6228184" y="3101149"/>
+            <a:ext cx="783337" cy="307777"/>
           </a:xfrm>
           <a:prstGeom prst="rect">
             <a:avLst/>
@@ -4576,7 +4561,7 @@
           <a:p>
             <a:r>
               <a:rPr lang="de-DE" sz="1400" b="1" dirty="0"/>
-              <a:t>0.9</a:t>
+              <a:t>0.692</a:t>
             </a:r>
           </a:p>
         </p:txBody>
@@ -4595,8 +4580,8 @@
         </p:nvSpPr>
         <p:spPr>
           <a:xfrm>
-            <a:off x="3457786" y="1299436"/>
-            <a:ext cx="572444" cy="307777"/>
+            <a:off x="3409523" y="1331788"/>
+            <a:ext cx="633935" cy="307777"/>
           </a:xfrm>
           <a:prstGeom prst="rect">
             <a:avLst/>
@@ -4611,7 +4596,7 @@
           <a:p>
             <a:r>
               <a:rPr lang="de-DE" sz="1400" b="1" dirty="0"/>
-              <a:t>0.3</a:t>
+              <a:t>0.581</a:t>
             </a:r>
           </a:p>
         </p:txBody>
@@ -4646,7 +4631,7 @@
           <a:p>
             <a:r>
               <a:rPr lang="de-DE" sz="1400" dirty="0"/>
-              <a:t>0.1</a:t>
+              <a:t>0.03</a:t>
             </a:r>
           </a:p>
         </p:txBody>
@@ -4665,7 +4650,7 @@
         </p:nvSpPr>
         <p:spPr>
           <a:xfrm>
-            <a:off x="2959353" y="3250904"/>
+            <a:off x="2561206" y="3459035"/>
             <a:ext cx="572444" cy="307777"/>
           </a:xfrm>
           <a:prstGeom prst="rect">
@@ -4681,7 +4666,7 @@
           <a:p>
             <a:r>
               <a:rPr lang="de-DE" sz="1400" dirty="0"/>
-              <a:t>0.1</a:t>
+              <a:t>0.13</a:t>
             </a:r>
           </a:p>
         </p:txBody>
@@ -4700,8 +4685,8 @@
         </p:nvSpPr>
         <p:spPr>
           <a:xfrm>
-            <a:off x="4030230" y="2897565"/>
-            <a:ext cx="572444" cy="307777"/>
+            <a:off x="4267385" y="2756280"/>
+            <a:ext cx="644752" cy="307777"/>
           </a:xfrm>
           <a:prstGeom prst="rect">
             <a:avLst/>
@@ -4716,7 +4701,7 @@
           <a:p>
             <a:r>
               <a:rPr lang="de-DE" sz="1400" dirty="0"/>
-              <a:t>0.5</a:t>
+              <a:t>0.307</a:t>
             </a:r>
           </a:p>
         </p:txBody>
@@ -4735,8 +4720,8 @@
         </p:nvSpPr>
         <p:spPr>
           <a:xfrm>
-            <a:off x="2687060" y="2737107"/>
-            <a:ext cx="572444" cy="307777"/>
+            <a:off x="2586928" y="2687653"/>
+            <a:ext cx="664423" cy="307777"/>
           </a:xfrm>
           <a:prstGeom prst="rect">
             <a:avLst/>
@@ -4751,7 +4736,260 @@
           <a:p>
             <a:r>
               <a:rPr lang="de-DE" sz="1400" dirty="0"/>
-              <a:t>0.1</a:t>
+              <a:t>0.178</a:t>
+            </a:r>
+          </a:p>
+        </p:txBody>
+      </p:sp>
+      <p:sp>
+        <p:nvSpPr>
+          <p:cNvPr id="25" name="Textfeld 24">
+            <a:extLst>
+              <a:ext uri="{FF2B5EF4-FFF2-40B4-BE49-F238E27FC236}">
+                <a16:creationId xmlns:a16="http://schemas.microsoft.com/office/drawing/2014/main" id="{B3765C7B-1B1F-C74D-8C6D-45B1FFF59F7B}"/>
+              </a:ext>
+            </a:extLst>
+          </p:cNvPr>
+          <p:cNvSpPr txBox="1"/>
+          <p:nvPr/>
+        </p:nvSpPr>
+        <p:spPr>
+          <a:xfrm>
+            <a:off x="2339583" y="4390610"/>
+            <a:ext cx="619769" cy="307777"/>
+          </a:xfrm>
+          <a:prstGeom prst="rect">
+            <a:avLst/>
+          </a:prstGeom>
+          <a:noFill/>
+        </p:spPr>
+        <p:txBody>
+          <a:bodyPr wrap="square" rtlCol="0">
+            <a:spAutoFit/>
+          </a:bodyPr>
+          <a:lstStyle/>
+          <a:p>
+            <a:r>
+              <a:rPr lang="de-DE" sz="1400" dirty="0"/>
+              <a:t>0.007</a:t>
+            </a:r>
+          </a:p>
+        </p:txBody>
+      </p:sp>
+      <p:sp>
+        <p:nvSpPr>
+          <p:cNvPr id="33" name="Textfeld 32">
+            <a:extLst>
+              <a:ext uri="{FF2B5EF4-FFF2-40B4-BE49-F238E27FC236}">
+                <a16:creationId xmlns:a16="http://schemas.microsoft.com/office/drawing/2014/main" id="{B75CEEDF-357C-6748-8241-D0EDAEDA50E3}"/>
+              </a:ext>
+            </a:extLst>
+          </p:cNvPr>
+          <p:cNvSpPr txBox="1"/>
+          <p:nvPr/>
+        </p:nvSpPr>
+        <p:spPr>
+          <a:xfrm>
+            <a:off x="3131840" y="3034309"/>
+            <a:ext cx="648272" cy="307777"/>
+          </a:xfrm>
+          <a:prstGeom prst="rect">
+            <a:avLst/>
+          </a:prstGeom>
+          <a:noFill/>
+        </p:spPr>
+        <p:txBody>
+          <a:bodyPr wrap="square" rtlCol="0">
+            <a:spAutoFit/>
+          </a:bodyPr>
+          <a:lstStyle/>
+          <a:p>
+            <a:r>
+              <a:rPr lang="de-DE" sz="1400" dirty="0"/>
+              <a:t>0.064</a:t>
+            </a:r>
+          </a:p>
+        </p:txBody>
+      </p:sp>
+      <p:sp>
+        <p:nvSpPr>
+          <p:cNvPr id="35" name="Textfeld 34">
+            <a:extLst>
+              <a:ext uri="{FF2B5EF4-FFF2-40B4-BE49-F238E27FC236}">
+                <a16:creationId xmlns:a16="http://schemas.microsoft.com/office/drawing/2014/main" id="{962F3C09-4A36-214B-8B31-0F7FA17A5787}"/>
+              </a:ext>
+            </a:extLst>
+          </p:cNvPr>
+          <p:cNvSpPr txBox="1"/>
+          <p:nvPr/>
+        </p:nvSpPr>
+        <p:spPr>
+          <a:xfrm>
+            <a:off x="4467458" y="3958672"/>
+            <a:ext cx="644752" cy="307777"/>
+          </a:xfrm>
+          <a:prstGeom prst="rect">
+            <a:avLst/>
+          </a:prstGeom>
+          <a:noFill/>
+        </p:spPr>
+        <p:txBody>
+          <a:bodyPr wrap="square" rtlCol="0">
+            <a:spAutoFit/>
+          </a:bodyPr>
+          <a:lstStyle/>
+          <a:p>
+            <a:r>
+              <a:rPr lang="de-DE" sz="1400" dirty="0"/>
+              <a:t>0.423</a:t>
+            </a:r>
+          </a:p>
+        </p:txBody>
+      </p:sp>
+      <p:sp>
+        <p:nvSpPr>
+          <p:cNvPr id="37" name="Textfeld 36">
+            <a:extLst>
+              <a:ext uri="{FF2B5EF4-FFF2-40B4-BE49-F238E27FC236}">
+                <a16:creationId xmlns:a16="http://schemas.microsoft.com/office/drawing/2014/main" id="{4F558214-A2AA-6743-9ECB-45B02C8AD457}"/>
+              </a:ext>
+            </a:extLst>
+          </p:cNvPr>
+          <p:cNvSpPr txBox="1"/>
+          <p:nvPr/>
+        </p:nvSpPr>
+        <p:spPr>
+          <a:xfrm>
+            <a:off x="4715222" y="1927498"/>
+            <a:ext cx="644752" cy="307777"/>
+          </a:xfrm>
+          <a:prstGeom prst="rect">
+            <a:avLst/>
+          </a:prstGeom>
+          <a:noFill/>
+        </p:spPr>
+        <p:txBody>
+          <a:bodyPr wrap="square" rtlCol="0">
+            <a:spAutoFit/>
+          </a:bodyPr>
+          <a:lstStyle/>
+          <a:p>
+            <a:r>
+              <a:rPr lang="de-DE" sz="1400" dirty="0"/>
+              <a:t>0.032</a:t>
+            </a:r>
+          </a:p>
+        </p:txBody>
+      </p:sp>
+      <p:sp>
+        <p:nvSpPr>
+          <p:cNvPr id="38" name="Textfeld 37">
+            <a:extLst>
+              <a:ext uri="{FF2B5EF4-FFF2-40B4-BE49-F238E27FC236}">
+                <a16:creationId xmlns:a16="http://schemas.microsoft.com/office/drawing/2014/main" id="{40D31FBE-CF35-4D42-963F-8D7D1FF5F69D}"/>
+              </a:ext>
+            </a:extLst>
+          </p:cNvPr>
+          <p:cNvSpPr txBox="1"/>
+          <p:nvPr/>
+        </p:nvSpPr>
+        <p:spPr>
+          <a:xfrm>
+            <a:off x="4319822" y="3430318"/>
+            <a:ext cx="644752" cy="307777"/>
+          </a:xfrm>
+          <a:prstGeom prst="rect">
+            <a:avLst/>
+          </a:prstGeom>
+          <a:noFill/>
+        </p:spPr>
+        <p:txBody>
+          <a:bodyPr wrap="square" rtlCol="0">
+            <a:spAutoFit/>
+          </a:bodyPr>
+          <a:lstStyle/>
+          <a:p>
+            <a:r>
+              <a:rPr lang="de-DE" sz="1400" dirty="0"/>
+              <a:t>0.042</a:t>
+            </a:r>
+          </a:p>
+        </p:txBody>
+      </p:sp>
+      <p:cxnSp>
+        <p:nvCxnSpPr>
+          <p:cNvPr id="15" name="Gerade Verbindung mit Pfeil 14">
+            <a:extLst>
+              <a:ext uri="{FF2B5EF4-FFF2-40B4-BE49-F238E27FC236}">
+                <a16:creationId xmlns:a16="http://schemas.microsoft.com/office/drawing/2014/main" id="{754725DC-FC6C-564A-8571-B4A969926933}"/>
+              </a:ext>
+            </a:extLst>
+          </p:cNvPr>
+          <p:cNvCxnSpPr>
+            <a:cxnSpLocks/>
+            <a:stCxn id="6" idx="0"/>
+            <a:endCxn id="5" idx="4"/>
+          </p:cNvCxnSpPr>
+          <p:nvPr/>
+        </p:nvCxnSpPr>
+        <p:spPr>
+          <a:xfrm flipH="1" flipV="1">
+            <a:off x="3707904" y="2574843"/>
+            <a:ext cx="35903" cy="1286205"/>
+          </a:xfrm>
+          <a:prstGeom prst="straightConnector1">
+            <a:avLst/>
+          </a:prstGeom>
+          <a:ln w="28575">
+            <a:tailEnd type="triangle"/>
+          </a:ln>
+        </p:spPr>
+        <p:style>
+          <a:lnRef idx="1">
+            <a:schemeClr val="accent1"/>
+          </a:lnRef>
+          <a:fillRef idx="0">
+            <a:schemeClr val="accent1"/>
+          </a:fillRef>
+          <a:effectRef idx="0">
+            <a:schemeClr val="accent1"/>
+          </a:effectRef>
+          <a:fontRef idx="minor">
+            <a:schemeClr val="tx1"/>
+          </a:fontRef>
+        </p:style>
+      </p:cxnSp>
+      <p:sp>
+        <p:nvSpPr>
+          <p:cNvPr id="36" name="Textfeld 35">
+            <a:extLst>
+              <a:ext uri="{FF2B5EF4-FFF2-40B4-BE49-F238E27FC236}">
+                <a16:creationId xmlns:a16="http://schemas.microsoft.com/office/drawing/2014/main" id="{6E85FC54-FA75-C648-87C7-147F9CFAD3FB}"/>
+              </a:ext>
+            </a:extLst>
+          </p:cNvPr>
+          <p:cNvSpPr txBox="1"/>
+          <p:nvPr/>
+        </p:nvSpPr>
+        <p:spPr>
+          <a:xfrm>
+            <a:off x="3389645" y="5512217"/>
+            <a:ext cx="633936" cy="307777"/>
+          </a:xfrm>
+          <a:prstGeom prst="rect">
+            <a:avLst/>
+          </a:prstGeom>
+          <a:noFill/>
+        </p:spPr>
+        <p:txBody>
+          <a:bodyPr wrap="square" rtlCol="0">
+            <a:spAutoFit/>
+          </a:bodyPr>
+          <a:lstStyle/>
+          <a:p>
+            <a:r>
+              <a:rPr lang="de-DE" sz="1400" dirty="0"/>
+              <a:t>0.214</a:t>
             </a:r>
           </a:p>
         </p:txBody>
